--- a/images/workflows.pptx
+++ b/images/workflows.pptx
@@ -3136,6 +3136,13 @@
             <a:prstGeom prst="rect">
               <a:avLst/>
             </a:prstGeom>
+            <a:effectLst>
+              <a:outerShdw blurRad="63500" sx="102000" sy="102000" algn="ctr" rotWithShape="0">
+                <a:prstClr val="black">
+                  <a:alpha val="40000"/>
+                </a:prstClr>
+              </a:outerShdw>
+            </a:effectLst>
           </p:spPr>
         </p:pic>
         <p:pic>
@@ -3195,6 +3202,13 @@
             <a:prstGeom prst="rect">
               <a:avLst/>
             </a:prstGeom>
+            <a:effectLst>
+              <a:outerShdw blurRad="63500" sx="102000" sy="102000" algn="ctr" rotWithShape="0">
+                <a:prstClr val="black">
+                  <a:alpha val="40000"/>
+                </a:prstClr>
+              </a:outerShdw>
+            </a:effectLst>
           </p:spPr>
         </p:pic>
         <p:pic>
@@ -3224,6 +3238,13 @@
             <a:prstGeom prst="rect">
               <a:avLst/>
             </a:prstGeom>
+            <a:effectLst>
+              <a:outerShdw blurRad="63500" sx="102000" sy="102000" algn="ctr" rotWithShape="0">
+                <a:prstClr val="black">
+                  <a:alpha val="40000"/>
+                </a:prstClr>
+              </a:outerShdw>
+            </a:effectLst>
           </p:spPr>
         </p:pic>
         <p:pic>
@@ -3253,6 +3274,13 @@
             <a:prstGeom prst="rect">
               <a:avLst/>
             </a:prstGeom>
+            <a:effectLst>
+              <a:outerShdw blurRad="63500" sx="102000" sy="102000" algn="ctr" rotWithShape="0">
+                <a:prstClr val="black">
+                  <a:alpha val="40000"/>
+                </a:prstClr>
+              </a:outerShdw>
+            </a:effectLst>
           </p:spPr>
         </p:pic>
         <p:sp>
